--- a/slides/02_b_multiprocesses.pptx
+++ b/slides/02_b_multiprocesses.pptx
@@ -206,7 +206,7 @@
             <a:pPr rtl="0"/>
             <a:fld id="{764ED9EE-8F2A-4E06-87A2-36C0DD0993FD}" type="datetime1">
               <a:rPr lang="de-DE" smtClean="0"/>
-              <a:t>26.10.2020</a:t>
+              <a:t>26.12.2020</a:t>
             </a:fld>
             <a:endParaRPr lang="en-US" dirty="0"/>
           </a:p>
@@ -376,7 +376,7 @@
             <a:pPr rtl="0"/>
             <a:fld id="{A5A5ADE8-1FB8-43FD-A675-2B613EE00B6F}" type="datetime1">
               <a:rPr lang="de-DE" smtClean="0"/>
-              <a:t>26.10.2020</a:t>
+              <a:t>26.12.2020</a:t>
             </a:fld>
             <a:endParaRPr lang="en-US"/>
           </a:p>
@@ -890,7 +890,7 @@
             <a:pPr rtl="0"/>
             <a:fld id="{81E9C95E-BEF0-4D2E-9127-B9099B238D2A}" type="datetime1">
               <a:rPr lang="de-DE" smtClean="0"/>
-              <a:t>26.10.2020</a:t>
+              <a:t>26.12.2020</a:t>
             </a:fld>
             <a:endParaRPr lang="en-US" dirty="0"/>
           </a:p>
@@ -1097,7 +1097,7 @@
             <a:pPr rtl="0"/>
             <a:fld id="{FE771757-BB18-44C5-813E-435E78C98126}" type="datetime1">
               <a:rPr lang="de-DE" smtClean="0"/>
-              <a:t>26.10.2020</a:t>
+              <a:t>26.12.2020</a:t>
             </a:fld>
             <a:endParaRPr lang="en-US" dirty="0"/>
           </a:p>
@@ -1463,7 +1463,7 @@
             <a:pPr rtl="0"/>
             <a:fld id="{B83FACD6-565C-4118-ACD0-32ACCA9AF940}" type="datetime1">
               <a:rPr lang="de-DE" smtClean="0"/>
-              <a:t>26.10.2020</a:t>
+              <a:t>26.12.2020</a:t>
             </a:fld>
             <a:endParaRPr lang="en-US" dirty="0"/>
           </a:p>
@@ -1665,7 +1665,7 @@
             <a:pPr rtl="0"/>
             <a:fld id="{83627DD0-092D-4AD9-AAE0-0513E170352E}" type="datetime1">
               <a:rPr lang="de-DE" smtClean="0"/>
-              <a:t>26.10.2020</a:t>
+              <a:t>26.12.2020</a:t>
             </a:fld>
             <a:endParaRPr lang="en-US" dirty="0"/>
           </a:p>
@@ -1981,7 +1981,7 @@
             <a:pPr rtl="0"/>
             <a:fld id="{F36CBEDB-B1DE-4F8C-AD4A-10AD3F77E1A9}" type="datetime1">
               <a:rPr lang="de-DE" smtClean="0"/>
-              <a:t>26.10.2020</a:t>
+              <a:t>26.12.2020</a:t>
             </a:fld>
             <a:endParaRPr lang="en-US" dirty="0"/>
           </a:p>
@@ -2238,7 +2238,7 @@
             <a:pPr rtl="0"/>
             <a:fld id="{F95AE019-BB99-4C3A-AA2C-A36C39CE4DCB}" type="datetime1">
               <a:rPr lang="de-DE" smtClean="0"/>
-              <a:t>26.10.2020</a:t>
+              <a:t>26.12.2020</a:t>
             </a:fld>
             <a:endParaRPr lang="en-US" dirty="0"/>
           </a:p>
@@ -2664,7 +2664,7 @@
             <a:pPr rtl="0"/>
             <a:fld id="{117FAFC6-AD0C-4B5B-B8B0-E729C6D4C810}" type="datetime1">
               <a:rPr lang="de-DE" smtClean="0"/>
-              <a:t>26.10.2020</a:t>
+              <a:t>26.12.2020</a:t>
             </a:fld>
             <a:endParaRPr lang="en-US" dirty="0"/>
           </a:p>
@@ -2791,7 +2791,7 @@
             <a:pPr rtl="0"/>
             <a:fld id="{607DEF3C-A2B0-4F78-836D-1A1B1DEE5467}" type="datetime1">
               <a:rPr lang="de-DE" smtClean="0"/>
-              <a:t>26.10.2020</a:t>
+              <a:t>26.12.2020</a:t>
             </a:fld>
             <a:endParaRPr lang="en-US" dirty="0"/>
           </a:p>
@@ -2889,7 +2889,7 @@
             <a:pPr rtl="0"/>
             <a:fld id="{D971D44B-9C44-467E-B481-41466CDBD2A7}" type="datetime1">
               <a:rPr lang="de-DE" smtClean="0"/>
-              <a:t>26.10.2020</a:t>
+              <a:t>26.12.2020</a:t>
             </a:fld>
             <a:endParaRPr lang="en-US" dirty="0"/>
           </a:p>
@@ -3270,7 +3270,7 @@
             <a:pPr rtl="0"/>
             <a:fld id="{0354EEBD-0E7F-42E6-BE86-4864547D749E}" type="datetime1">
               <a:rPr lang="de-DE" smtClean="0"/>
-              <a:t>26.10.2020</a:t>
+              <a:t>26.12.2020</a:t>
             </a:fld>
             <a:endParaRPr lang="en-US" dirty="0"/>
           </a:p>
@@ -3568,7 +3568,7 @@
             <a:pPr rtl="0"/>
             <a:fld id="{8C7274EF-79A2-4EAD-98EF-7E5BB5EA068D}" type="datetime1">
               <a:rPr lang="de-DE" smtClean="0"/>
-              <a:t>26.10.2020</a:t>
+              <a:t>26.12.2020</a:t>
             </a:fld>
             <a:endParaRPr lang="en-US" dirty="0"/>
           </a:p>
@@ -3786,7 +3786,7 @@
             <a:pPr rtl="0"/>
             <a:fld id="{EDD379EC-906B-4CE5-98C2-3A156331FD9E}" type="datetime1">
               <a:rPr lang="de-DE" smtClean="0"/>
-              <a:t>26.10.2020</a:t>
+              <a:t>26.12.2020</a:t>
             </a:fld>
             <a:endParaRPr lang="en-US" dirty="0"/>
           </a:p>
@@ -4518,8 +4518,12 @@
           <a:p>
             <a:pPr rtl="0"/>
             <a:r>
+              <a:rPr lang="de"/>
+              <a:t>Lektion 02 - Multiprocessing </a:t>
+            </a:r>
+            <a:r>
               <a:rPr lang="de" dirty="0"/>
-              <a:t>Multiprocessing – Mehrere Prozesses parallel ausführen</a:t>
+              <a:t>– Mehrere Prozesses parallel ausführen</a:t>
             </a:r>
           </a:p>
         </p:txBody>
@@ -4555,14 +4559,22 @@
             <a:pPr rtl="0"/>
             <a:r>
               <a:rPr lang="de" dirty="0"/>
-              <a:t>Jonas Freiknecht, 2020, v1.0</a:t>
+              <a:t>Jonas Freiknecht, 2020</a:t>
+            </a:r>
+            <a:r>
+              <a:rPr lang="de"/>
+              <a:t>, v1.3</a:t>
             </a:r>
           </a:p>
           <a:p>
             <a:pPr rtl="0"/>
             <a:r>
+              <a:rPr lang="de"/>
+              <a:t>www</a:t>
+            </a:r>
+            <a:r>
               <a:rPr lang="de" dirty="0"/>
-              <a:t>www.jofre.de</a:t>
+              <a:t>.jofre.de</a:t>
             </a:r>
           </a:p>
         </p:txBody>
@@ -5039,7 +5051,7 @@
             <a:pPr rtl="0"/>
             <a:fld id="{83627DD0-092D-4AD9-AAE0-0513E170352E}" type="datetime1">
               <a:rPr lang="de-DE" smtClean="0"/>
-              <a:t>26.10.2020</a:t>
+              <a:t>26.12.2020</a:t>
             </a:fld>
             <a:endParaRPr lang="en-US" dirty="0"/>
           </a:p>
